--- a/PowerPoint/Introduction To PLC.pptx
+++ b/PowerPoint/Introduction To PLC.pptx
@@ -11,7 +11,6 @@
     <p:sldId id="259" r:id="rId5"/>
     <p:sldId id="262" r:id="rId6"/>
     <p:sldId id="261" r:id="rId7"/>
-    <p:sldId id="260" r:id="rId8"/>
   </p:sldIdLst>
   <p:sldSz cx="12192000" cy="6858000"/>
   <p:notesSz cx="6858000" cy="9144000"/>
@@ -110,6 +109,11 @@
       </a:defRPr>
     </a:lvl9pPr>
   </p:defaultTextStyle>
+  <p:extLst>
+    <p:ext uri="{EFAFB233-063F-42B5-8137-9DF3F51BA10A}">
+      <p15:sldGuideLst xmlns:p15="http://schemas.microsoft.com/office/powerpoint/2012/main"/>
+    </p:ext>
+  </p:extLst>
 </p:presentation>
 </file>
 
@@ -163,7 +167,7 @@
           <a:noFill/>
           <a:extLst>
             <a:ext uri="{909E8E84-426E-40dd-AFC4-6F175D3DCCD1}">
-              <a14:hiddenFill xmlns:a14="http://schemas.microsoft.com/office/drawing/2010/main" xmlns="">
+              <a14:hiddenFill xmlns="" xmlns:a14="http://schemas.microsoft.com/office/drawing/2010/main">
                 <a:solidFill>
                   <a:srgbClr val="FFFFFF"/>
                 </a:solidFill>
@@ -223,7 +227,7 @@
             </a:ln>
             <a:extLst>
               <a:ext uri="{91240B29-F687-4f45-9708-019B960494DF}">
-                <a14:hiddenLine xmlns:a14="http://schemas.microsoft.com/office/drawing/2010/main" xmlns="" w="9525">
+                <a14:hiddenLine xmlns="" xmlns:a14="http://schemas.microsoft.com/office/drawing/2010/main" w="9525">
                   <a:solidFill>
                     <a:srgbClr val="000000"/>
                   </a:solidFill>
@@ -313,7 +317,7 @@
             </a:ln>
             <a:extLst>
               <a:ext uri="{91240B29-F687-4f45-9708-019B960494DF}">
-                <a14:hiddenLine xmlns:a14="http://schemas.microsoft.com/office/drawing/2010/main" xmlns="" w="9525">
+                <a14:hiddenLine xmlns="" xmlns:a14="http://schemas.microsoft.com/office/drawing/2010/main" w="9525">
                   <a:solidFill>
                     <a:srgbClr val="000000"/>
                   </a:solidFill>
@@ -403,7 +407,7 @@
             </a:ln>
             <a:extLst>
               <a:ext uri="{91240B29-F687-4f45-9708-019B960494DF}">
-                <a14:hiddenLine xmlns:a14="http://schemas.microsoft.com/office/drawing/2010/main" xmlns="" w="9525">
+                <a14:hiddenLine xmlns="" xmlns:a14="http://schemas.microsoft.com/office/drawing/2010/main" w="9525">
                   <a:solidFill>
                     <a:srgbClr val="000000"/>
                   </a:solidFill>
@@ -437,7 +441,7 @@
             </a:ln>
             <a:extLst>
               <a:ext uri="{91240B29-F687-4f45-9708-019B960494DF}">
-                <a14:hiddenLine xmlns:a14="http://schemas.microsoft.com/office/drawing/2010/main" xmlns="" w="9525">
+                <a14:hiddenLine xmlns="" xmlns:a14="http://schemas.microsoft.com/office/drawing/2010/main" w="9525">
                   <a:solidFill>
                     <a:srgbClr val="000000"/>
                   </a:solidFill>
@@ -527,7 +531,7 @@
             </a:ln>
             <a:extLst>
               <a:ext uri="{91240B29-F687-4f45-9708-019B960494DF}">
-                <a14:hiddenLine xmlns:a14="http://schemas.microsoft.com/office/drawing/2010/main" xmlns="" w="9525">
+                <a14:hiddenLine xmlns="" xmlns:a14="http://schemas.microsoft.com/office/drawing/2010/main" w="9525">
                   <a:solidFill>
                     <a:srgbClr val="000000"/>
                   </a:solidFill>
@@ -589,7 +593,7 @@
             </a:ln>
             <a:extLst>
               <a:ext uri="{91240B29-F687-4f45-9708-019B960494DF}">
-                <a14:hiddenLine xmlns:a14="http://schemas.microsoft.com/office/drawing/2010/main" xmlns="" w="9525">
+                <a14:hiddenLine xmlns="" xmlns:a14="http://schemas.microsoft.com/office/drawing/2010/main" w="9525">
                   <a:solidFill>
                     <a:srgbClr val="000000"/>
                   </a:solidFill>
@@ -651,7 +655,7 @@
             </a:ln>
             <a:extLst>
               <a:ext uri="{91240B29-F687-4f45-9708-019B960494DF}">
-                <a14:hiddenLine xmlns:a14="http://schemas.microsoft.com/office/drawing/2010/main" xmlns="" w="9525">
+                <a14:hiddenLine xmlns="" xmlns:a14="http://schemas.microsoft.com/office/drawing/2010/main" w="9525">
                   <a:solidFill>
                     <a:srgbClr val="000000"/>
                   </a:solidFill>
@@ -741,7 +745,7 @@
             </a:ln>
             <a:extLst>
               <a:ext uri="{91240B29-F687-4f45-9708-019B960494DF}">
-                <a14:hiddenLine xmlns:a14="http://schemas.microsoft.com/office/drawing/2010/main" xmlns="" w="9525">
+                <a14:hiddenLine xmlns="" xmlns:a14="http://schemas.microsoft.com/office/drawing/2010/main" w="9525">
                   <a:solidFill>
                     <a:srgbClr val="000000"/>
                   </a:solidFill>
@@ -803,7 +807,7 @@
             </a:ln>
             <a:extLst>
               <a:ext uri="{91240B29-F687-4f45-9708-019B960494DF}">
-                <a14:hiddenLine xmlns:a14="http://schemas.microsoft.com/office/drawing/2010/main" xmlns="" w="9525">
+                <a14:hiddenLine xmlns="" xmlns:a14="http://schemas.microsoft.com/office/drawing/2010/main" w="9525">
                   <a:solidFill>
                     <a:srgbClr val="000000"/>
                   </a:solidFill>
@@ -865,7 +869,7 @@
             </a:ln>
             <a:extLst>
               <a:ext uri="{91240B29-F687-4f45-9708-019B960494DF}">
-                <a14:hiddenLine xmlns:a14="http://schemas.microsoft.com/office/drawing/2010/main" xmlns="" w="9525">
+                <a14:hiddenLine xmlns="" xmlns:a14="http://schemas.microsoft.com/office/drawing/2010/main" w="9525">
                   <a:solidFill>
                     <a:srgbClr val="000000"/>
                   </a:solidFill>
@@ -955,7 +959,7 @@
             </a:ln>
             <a:extLst>
               <a:ext uri="{91240B29-F687-4f45-9708-019B960494DF}">
-                <a14:hiddenLine xmlns:a14="http://schemas.microsoft.com/office/drawing/2010/main" xmlns="" w="9525">
+                <a14:hiddenLine xmlns="" xmlns:a14="http://schemas.microsoft.com/office/drawing/2010/main" w="9525">
                   <a:solidFill>
                     <a:srgbClr val="000000"/>
                   </a:solidFill>
@@ -1045,7 +1049,7 @@
             </a:ln>
             <a:extLst>
               <a:ext uri="{91240B29-F687-4f45-9708-019B960494DF}">
-                <a14:hiddenLine xmlns:a14="http://schemas.microsoft.com/office/drawing/2010/main" xmlns="" w="9525">
+                <a14:hiddenLine xmlns="" xmlns:a14="http://schemas.microsoft.com/office/drawing/2010/main" w="9525">
                   <a:solidFill>
                     <a:srgbClr val="000000"/>
                   </a:solidFill>
@@ -1107,7 +1111,7 @@
             </a:ln>
             <a:extLst>
               <a:ext uri="{91240B29-F687-4f45-9708-019B960494DF}">
-                <a14:hiddenLine xmlns:a14="http://schemas.microsoft.com/office/drawing/2010/main" xmlns="" w="9525">
+                <a14:hiddenLine xmlns="" xmlns:a14="http://schemas.microsoft.com/office/drawing/2010/main" w="9525">
                   <a:solidFill>
                     <a:srgbClr val="000000"/>
                   </a:solidFill>
@@ -1217,7 +1221,7 @@
             </a:ln>
             <a:extLst>
               <a:ext uri="{91240B29-F687-4f45-9708-019B960494DF}">
-                <a14:hiddenLine xmlns:a14="http://schemas.microsoft.com/office/drawing/2010/main" xmlns="" w="9525">
+                <a14:hiddenLine xmlns="" xmlns:a14="http://schemas.microsoft.com/office/drawing/2010/main" w="9525">
                   <a:solidFill>
                     <a:srgbClr val="000000"/>
                   </a:solidFill>
@@ -1279,7 +1283,7 @@
             </a:ln>
             <a:extLst>
               <a:ext uri="{91240B29-F687-4f45-9708-019B960494DF}">
-                <a14:hiddenLine xmlns:a14="http://schemas.microsoft.com/office/drawing/2010/main" xmlns="" w="9525">
+                <a14:hiddenLine xmlns="" xmlns:a14="http://schemas.microsoft.com/office/drawing/2010/main" w="9525">
                   <a:solidFill>
                     <a:srgbClr val="000000"/>
                   </a:solidFill>
@@ -1369,7 +1373,7 @@
             </a:ln>
             <a:extLst>
               <a:ext uri="{91240B29-F687-4f45-9708-019B960494DF}">
-                <a14:hiddenLine xmlns:a14="http://schemas.microsoft.com/office/drawing/2010/main" xmlns="" w="9525">
+                <a14:hiddenLine xmlns="" xmlns:a14="http://schemas.microsoft.com/office/drawing/2010/main" w="9525">
                   <a:solidFill>
                     <a:srgbClr val="000000"/>
                   </a:solidFill>
@@ -1459,7 +1463,7 @@
             </a:ln>
             <a:extLst>
               <a:ext uri="{91240B29-F687-4f45-9708-019B960494DF}">
-                <a14:hiddenLine xmlns:a14="http://schemas.microsoft.com/office/drawing/2010/main" xmlns="" w="9525">
+                <a14:hiddenLine xmlns="" xmlns:a14="http://schemas.microsoft.com/office/drawing/2010/main" w="9525">
                   <a:solidFill>
                     <a:srgbClr val="000000"/>
                   </a:solidFill>
@@ -1521,7 +1525,7 @@
             </a:ln>
             <a:extLst>
               <a:ext uri="{91240B29-F687-4f45-9708-019B960494DF}">
-                <a14:hiddenLine xmlns:a14="http://schemas.microsoft.com/office/drawing/2010/main" xmlns="" w="9525">
+                <a14:hiddenLine xmlns="" xmlns:a14="http://schemas.microsoft.com/office/drawing/2010/main" w="9525">
                   <a:solidFill>
                     <a:srgbClr val="000000"/>
                   </a:solidFill>
@@ -1611,7 +1615,7 @@
             </a:ln>
             <a:extLst>
               <a:ext uri="{91240B29-F687-4f45-9708-019B960494DF}">
-                <a14:hiddenLine xmlns:a14="http://schemas.microsoft.com/office/drawing/2010/main" xmlns="" w="9525">
+                <a14:hiddenLine xmlns="" xmlns:a14="http://schemas.microsoft.com/office/drawing/2010/main" w="9525">
                   <a:solidFill>
                     <a:srgbClr val="000000"/>
                   </a:solidFill>
@@ -1701,7 +1705,7 @@
             </a:ln>
             <a:extLst>
               <a:ext uri="{91240B29-F687-4f45-9708-019B960494DF}">
-                <a14:hiddenLine xmlns:a14="http://schemas.microsoft.com/office/drawing/2010/main" xmlns="" w="9525">
+                <a14:hiddenLine xmlns="" xmlns:a14="http://schemas.microsoft.com/office/drawing/2010/main" w="9525">
                   <a:solidFill>
                     <a:srgbClr val="000000"/>
                   </a:solidFill>
@@ -1757,7 +1761,7 @@
             </a:ln>
             <a:extLst>
               <a:ext uri="{91240B29-F687-4f45-9708-019B960494DF}">
-                <a14:hiddenLine xmlns:a14="http://schemas.microsoft.com/office/drawing/2010/main" xmlns="" w="9525">
+                <a14:hiddenLine xmlns="" xmlns:a14="http://schemas.microsoft.com/office/drawing/2010/main" w="9525">
                   <a:solidFill>
                     <a:srgbClr val="000000"/>
                   </a:solidFill>
@@ -1847,7 +1851,7 @@
             </a:ln>
             <a:extLst>
               <a:ext uri="{91240B29-F687-4f45-9708-019B960494DF}">
-                <a14:hiddenLine xmlns:a14="http://schemas.microsoft.com/office/drawing/2010/main" xmlns="" w="9525">
+                <a14:hiddenLine xmlns="" xmlns:a14="http://schemas.microsoft.com/office/drawing/2010/main" w="9525">
                   <a:solidFill>
                     <a:srgbClr val="000000"/>
                   </a:solidFill>
@@ -1903,7 +1907,7 @@
             </a:ln>
             <a:extLst>
               <a:ext uri="{91240B29-F687-4f45-9708-019B960494DF}">
-                <a14:hiddenLine xmlns:a14="http://schemas.microsoft.com/office/drawing/2010/main" xmlns="" w="9525">
+                <a14:hiddenLine xmlns="" xmlns:a14="http://schemas.microsoft.com/office/drawing/2010/main" w="9525">
                   <a:solidFill>
                     <a:srgbClr val="000000"/>
                   </a:solidFill>
@@ -1993,7 +1997,7 @@
             </a:ln>
             <a:extLst>
               <a:ext uri="{91240B29-F687-4f45-9708-019B960494DF}">
-                <a14:hiddenLine xmlns:a14="http://schemas.microsoft.com/office/drawing/2010/main" xmlns="" w="9525">
+                <a14:hiddenLine xmlns="" xmlns:a14="http://schemas.microsoft.com/office/drawing/2010/main" w="9525">
                   <a:solidFill>
                     <a:srgbClr val="000000"/>
                   </a:solidFill>
@@ -2061,7 +2065,7 @@
             </a:ln>
             <a:extLst>
               <a:ext uri="{91240B29-F687-4f45-9708-019B960494DF}">
-                <a14:hiddenLine xmlns:a14="http://schemas.microsoft.com/office/drawing/2010/main" xmlns="" w="9525">
+                <a14:hiddenLine xmlns="" xmlns:a14="http://schemas.microsoft.com/office/drawing/2010/main" w="9525">
                   <a:solidFill>
                     <a:srgbClr val="000000"/>
                   </a:solidFill>
@@ -2151,7 +2155,7 @@
             </a:ln>
             <a:extLst>
               <a:ext uri="{91240B29-F687-4f45-9708-019B960494DF}">
-                <a14:hiddenLine xmlns:a14="http://schemas.microsoft.com/office/drawing/2010/main" xmlns="" w="9525">
+                <a14:hiddenLine xmlns="" xmlns:a14="http://schemas.microsoft.com/office/drawing/2010/main" w="9525">
                   <a:solidFill>
                     <a:srgbClr val="000000"/>
                   </a:solidFill>
@@ -2219,7 +2223,7 @@
             </a:ln>
             <a:extLst>
               <a:ext uri="{91240B29-F687-4f45-9708-019B960494DF}">
-                <a14:hiddenLine xmlns:a14="http://schemas.microsoft.com/office/drawing/2010/main" xmlns="" w="9525">
+                <a14:hiddenLine xmlns="" xmlns:a14="http://schemas.microsoft.com/office/drawing/2010/main" w="9525">
                   <a:solidFill>
                     <a:srgbClr val="000000"/>
                   </a:solidFill>
@@ -2309,7 +2313,7 @@
             </a:ln>
             <a:extLst>
               <a:ext uri="{91240B29-F687-4f45-9708-019B960494DF}">
-                <a14:hiddenLine xmlns:a14="http://schemas.microsoft.com/office/drawing/2010/main" xmlns="" w="9525">
+                <a14:hiddenLine xmlns="" xmlns:a14="http://schemas.microsoft.com/office/drawing/2010/main" w="9525">
                   <a:solidFill>
                     <a:srgbClr val="000000"/>
                   </a:solidFill>
@@ -2343,7 +2347,7 @@
             </a:ln>
             <a:extLst>
               <a:ext uri="{91240B29-F687-4f45-9708-019B960494DF}">
-                <a14:hiddenLine xmlns:a14="http://schemas.microsoft.com/office/drawing/2010/main" xmlns="" w="9525">
+                <a14:hiddenLine xmlns="" xmlns:a14="http://schemas.microsoft.com/office/drawing/2010/main" w="9525">
                   <a:solidFill>
                     <a:srgbClr val="000000"/>
                   </a:solidFill>
@@ -2433,7 +2437,7 @@
             </a:ln>
             <a:extLst>
               <a:ext uri="{91240B29-F687-4f45-9708-019B960494DF}">
-                <a14:hiddenLine xmlns:a14="http://schemas.microsoft.com/office/drawing/2010/main" xmlns="" w="9525">
+                <a14:hiddenLine xmlns="" xmlns:a14="http://schemas.microsoft.com/office/drawing/2010/main" w="9525">
                   <a:solidFill>
                     <a:srgbClr val="000000"/>
                   </a:solidFill>
@@ -2495,7 +2499,7 @@
             </a:ln>
             <a:extLst>
               <a:ext uri="{91240B29-F687-4f45-9708-019B960494DF}">
-                <a14:hiddenLine xmlns:a14="http://schemas.microsoft.com/office/drawing/2010/main" xmlns="" w="9525">
+                <a14:hiddenLine xmlns="" xmlns:a14="http://schemas.microsoft.com/office/drawing/2010/main" w="9525">
                   <a:solidFill>
                     <a:srgbClr val="000000"/>
                   </a:solidFill>
@@ -2557,7 +2561,7 @@
             </a:ln>
             <a:extLst>
               <a:ext uri="{91240B29-F687-4f45-9708-019B960494DF}">
-                <a14:hiddenLine xmlns:a14="http://schemas.microsoft.com/office/drawing/2010/main" xmlns="" w="9525">
+                <a14:hiddenLine xmlns="" xmlns:a14="http://schemas.microsoft.com/office/drawing/2010/main" w="9525">
                   <a:solidFill>
                     <a:srgbClr val="000000"/>
                   </a:solidFill>
@@ -2647,7 +2651,7 @@
             </a:ln>
             <a:extLst>
               <a:ext uri="{91240B29-F687-4f45-9708-019B960494DF}">
-                <a14:hiddenLine xmlns:a14="http://schemas.microsoft.com/office/drawing/2010/main" xmlns="" w="9525">
+                <a14:hiddenLine xmlns="" xmlns:a14="http://schemas.microsoft.com/office/drawing/2010/main" w="9525">
                   <a:solidFill>
                     <a:srgbClr val="000000"/>
                   </a:solidFill>
@@ -2715,7 +2719,7 @@
             </a:ln>
             <a:extLst>
               <a:ext uri="{91240B29-F687-4f45-9708-019B960494DF}">
-                <a14:hiddenLine xmlns:a14="http://schemas.microsoft.com/office/drawing/2010/main" xmlns="" w="9525">
+                <a14:hiddenLine xmlns="" xmlns:a14="http://schemas.microsoft.com/office/drawing/2010/main" w="9525">
                   <a:solidFill>
                     <a:srgbClr val="000000"/>
                   </a:solidFill>
@@ -2777,7 +2781,7 @@
             </a:ln>
             <a:extLst>
               <a:ext uri="{91240B29-F687-4f45-9708-019B960494DF}">
-                <a14:hiddenLine xmlns:a14="http://schemas.microsoft.com/office/drawing/2010/main" xmlns="" w="9525">
+                <a14:hiddenLine xmlns="" xmlns:a14="http://schemas.microsoft.com/office/drawing/2010/main" w="9525">
                   <a:solidFill>
                     <a:srgbClr val="000000"/>
                   </a:solidFill>
@@ -2867,7 +2871,7 @@
             </a:ln>
             <a:extLst>
               <a:ext uri="{91240B29-F687-4f45-9708-019B960494DF}">
-                <a14:hiddenLine xmlns:a14="http://schemas.microsoft.com/office/drawing/2010/main" xmlns="" w="9525">
+                <a14:hiddenLine xmlns="" xmlns:a14="http://schemas.microsoft.com/office/drawing/2010/main" w="9525">
                   <a:solidFill>
                     <a:srgbClr val="000000"/>
                   </a:solidFill>
@@ -2929,7 +2933,7 @@
             </a:ln>
             <a:extLst>
               <a:ext uri="{91240B29-F687-4f45-9708-019B960494DF}">
-                <a14:hiddenLine xmlns:a14="http://schemas.microsoft.com/office/drawing/2010/main" xmlns="" w="9525">
+                <a14:hiddenLine xmlns="" xmlns:a14="http://schemas.microsoft.com/office/drawing/2010/main" w="9525">
                   <a:solidFill>
                     <a:srgbClr val="000000"/>
                   </a:solidFill>
@@ -3019,7 +3023,7 @@
             </a:ln>
             <a:extLst>
               <a:ext uri="{91240B29-F687-4f45-9708-019B960494DF}">
-                <a14:hiddenLine xmlns:a14="http://schemas.microsoft.com/office/drawing/2010/main" xmlns="" w="9525">
+                <a14:hiddenLine xmlns="" xmlns:a14="http://schemas.microsoft.com/office/drawing/2010/main" w="9525">
                   <a:solidFill>
                     <a:srgbClr val="000000"/>
                   </a:solidFill>
@@ -3081,7 +3085,7 @@
             </a:ln>
             <a:extLst>
               <a:ext uri="{91240B29-F687-4f45-9708-019B960494DF}">
-                <a14:hiddenLine xmlns:a14="http://schemas.microsoft.com/office/drawing/2010/main" xmlns="" w="9525">
+                <a14:hiddenLine xmlns="" xmlns:a14="http://schemas.microsoft.com/office/drawing/2010/main" w="9525">
                   <a:solidFill>
                     <a:srgbClr val="000000"/>
                   </a:solidFill>
@@ -3171,7 +3175,7 @@
             </a:ln>
             <a:extLst>
               <a:ext uri="{91240B29-F687-4f45-9708-019B960494DF}">
-                <a14:hiddenLine xmlns:a14="http://schemas.microsoft.com/office/drawing/2010/main" xmlns="" w="9525">
+                <a14:hiddenLine xmlns="" xmlns:a14="http://schemas.microsoft.com/office/drawing/2010/main" w="9525">
                   <a:solidFill>
                     <a:srgbClr val="000000"/>
                   </a:solidFill>
@@ -3205,7 +3209,7 @@
             </a:ln>
             <a:extLst>
               <a:ext uri="{91240B29-F687-4f45-9708-019B960494DF}">
-                <a14:hiddenLine xmlns:a14="http://schemas.microsoft.com/office/drawing/2010/main" xmlns="" w="9525">
+                <a14:hiddenLine xmlns="" xmlns:a14="http://schemas.microsoft.com/office/drawing/2010/main" w="9525">
                   <a:solidFill>
                     <a:srgbClr val="000000"/>
                   </a:solidFill>
@@ -3270,7 +3274,7 @@
             </a:ln>
             <a:extLst>
               <a:ext uri="{91240B29-F687-4f45-9708-019B960494DF}">
-                <a14:hiddenLine xmlns:a14="http://schemas.microsoft.com/office/drawing/2010/main" xmlns="" w="9525">
+                <a14:hiddenLine xmlns="" xmlns:a14="http://schemas.microsoft.com/office/drawing/2010/main" w="9525">
                   <a:solidFill>
                     <a:srgbClr val="000000"/>
                   </a:solidFill>
@@ -3360,7 +3364,7 @@
             </a:ln>
             <a:extLst>
               <a:ext uri="{91240B29-F687-4f45-9708-019B960494DF}">
-                <a14:hiddenLine xmlns:a14="http://schemas.microsoft.com/office/drawing/2010/main" xmlns="" w="9525">
+                <a14:hiddenLine xmlns="" xmlns:a14="http://schemas.microsoft.com/office/drawing/2010/main" w="9525">
                   <a:solidFill>
                     <a:srgbClr val="000000"/>
                   </a:solidFill>
@@ -3422,7 +3426,7 @@
             </a:ln>
             <a:extLst>
               <a:ext uri="{91240B29-F687-4f45-9708-019B960494DF}">
-                <a14:hiddenLine xmlns:a14="http://schemas.microsoft.com/office/drawing/2010/main" xmlns="" w="9525">
+                <a14:hiddenLine xmlns="" xmlns:a14="http://schemas.microsoft.com/office/drawing/2010/main" w="9525">
                   <a:solidFill>
                     <a:srgbClr val="000000"/>
                   </a:solidFill>
@@ -3512,7 +3516,7 @@
             </a:ln>
             <a:extLst>
               <a:ext uri="{91240B29-F687-4f45-9708-019B960494DF}">
-                <a14:hiddenLine xmlns:a14="http://schemas.microsoft.com/office/drawing/2010/main" xmlns="" w="9525">
+                <a14:hiddenLine xmlns="" xmlns:a14="http://schemas.microsoft.com/office/drawing/2010/main" w="9525">
                   <a:solidFill>
                     <a:srgbClr val="000000"/>
                   </a:solidFill>
@@ -3602,7 +3606,7 @@
             </a:ln>
             <a:extLst>
               <a:ext uri="{91240B29-F687-4f45-9708-019B960494DF}">
-                <a14:hiddenLine xmlns:a14="http://schemas.microsoft.com/office/drawing/2010/main" xmlns="" w="9525">
+                <a14:hiddenLine xmlns="" xmlns:a14="http://schemas.microsoft.com/office/drawing/2010/main" w="9525">
                   <a:solidFill>
                     <a:srgbClr val="000000"/>
                   </a:solidFill>
@@ -3667,7 +3671,7 @@
             </a:ln>
             <a:extLst>
               <a:ext uri="{91240B29-F687-4f45-9708-019B960494DF}">
-                <a14:hiddenLine xmlns:a14="http://schemas.microsoft.com/office/drawing/2010/main" xmlns="" w="9525">
+                <a14:hiddenLine xmlns="" xmlns:a14="http://schemas.microsoft.com/office/drawing/2010/main" w="9525">
                   <a:solidFill>
                     <a:srgbClr val="000000"/>
                   </a:solidFill>
@@ -3729,7 +3733,7 @@
             </a:ln>
             <a:extLst>
               <a:ext uri="{91240B29-F687-4f45-9708-019B960494DF}">
-                <a14:hiddenLine xmlns:a14="http://schemas.microsoft.com/office/drawing/2010/main" xmlns="" w="9525">
+                <a14:hiddenLine xmlns="" xmlns:a14="http://schemas.microsoft.com/office/drawing/2010/main" w="9525">
                   <a:solidFill>
                     <a:srgbClr val="000000"/>
                   </a:solidFill>
@@ -3819,7 +3823,7 @@
             </a:ln>
             <a:extLst>
               <a:ext uri="{91240B29-F687-4f45-9708-019B960494DF}">
-                <a14:hiddenLine xmlns:a14="http://schemas.microsoft.com/office/drawing/2010/main" xmlns="" w="9525">
+                <a14:hiddenLine xmlns="" xmlns:a14="http://schemas.microsoft.com/office/drawing/2010/main" w="9525">
                   <a:solidFill>
                     <a:srgbClr val="000000"/>
                   </a:solidFill>
@@ -3909,7 +3913,7 @@
             </a:ln>
             <a:extLst>
               <a:ext uri="{91240B29-F687-4f45-9708-019B960494DF}">
-                <a14:hiddenLine xmlns:a14="http://schemas.microsoft.com/office/drawing/2010/main" xmlns="" w="9525">
+                <a14:hiddenLine xmlns="" xmlns:a14="http://schemas.microsoft.com/office/drawing/2010/main" w="9525">
                   <a:solidFill>
                     <a:srgbClr val="000000"/>
                   </a:solidFill>
@@ -3971,7 +3975,7 @@
             </a:ln>
             <a:extLst>
               <a:ext uri="{91240B29-F687-4f45-9708-019B960494DF}">
-                <a14:hiddenLine xmlns:a14="http://schemas.microsoft.com/office/drawing/2010/main" xmlns="" w="9525">
+                <a14:hiddenLine xmlns="" xmlns:a14="http://schemas.microsoft.com/office/drawing/2010/main" w="9525">
                   <a:solidFill>
                     <a:srgbClr val="000000"/>
                   </a:solidFill>
@@ -4091,7 +4095,7 @@
             </a:ln>
             <a:extLst>
               <a:ext uri="{91240B29-F687-4f45-9708-019B960494DF}">
-                <a14:hiddenLine xmlns:a14="http://schemas.microsoft.com/office/drawing/2010/main" xmlns="" w="9525">
+                <a14:hiddenLine xmlns="" xmlns:a14="http://schemas.microsoft.com/office/drawing/2010/main" w="9525">
                   <a:solidFill>
                     <a:srgbClr val="000000"/>
                   </a:solidFill>
@@ -4159,7 +4163,7 @@
             </a:ln>
             <a:extLst>
               <a:ext uri="{91240B29-F687-4f45-9708-019B960494DF}">
-                <a14:hiddenLine xmlns:a14="http://schemas.microsoft.com/office/drawing/2010/main" xmlns="" w="9525">
+                <a14:hiddenLine xmlns="" xmlns:a14="http://schemas.microsoft.com/office/drawing/2010/main" w="9525">
                   <a:solidFill>
                     <a:srgbClr val="000000"/>
                   </a:solidFill>
@@ -4249,7 +4253,7 @@
             </a:ln>
             <a:extLst>
               <a:ext uri="{91240B29-F687-4f45-9708-019B960494DF}">
-                <a14:hiddenLine xmlns:a14="http://schemas.microsoft.com/office/drawing/2010/main" xmlns="" w="9525">
+                <a14:hiddenLine xmlns="" xmlns:a14="http://schemas.microsoft.com/office/drawing/2010/main" w="9525">
                   <a:solidFill>
                     <a:srgbClr val="000000"/>
                   </a:solidFill>
@@ -4389,7 +4393,7 @@
           <a:p>
             <a:fld id="{48A87A34-81AB-432B-8DAE-1953F412C126}" type="datetimeFigureOut">
               <a:rPr lang="en-US" dirty="0"/>
-              <a:t>1/3/2022</a:t>
+              <a:t>3/9/2022</a:t>
             </a:fld>
             <a:endParaRPr lang="en-US" dirty="0"/>
           </a:p>
@@ -4651,7 +4655,7 @@
           <a:p>
             <a:fld id="{48A87A34-81AB-432B-8DAE-1953F412C126}" type="datetimeFigureOut">
               <a:rPr lang="en-US" dirty="0"/>
-              <a:t>1/3/2022</a:t>
+              <a:t>3/9/2022</a:t>
             </a:fld>
             <a:endParaRPr lang="en-US" dirty="0"/>
           </a:p>
@@ -4842,7 +4846,7 @@
           <a:p>
             <a:fld id="{48A87A34-81AB-432B-8DAE-1953F412C126}" type="datetimeFigureOut">
               <a:rPr lang="en-US" dirty="0"/>
-              <a:t>1/3/2022</a:t>
+              <a:t>3/9/2022</a:t>
             </a:fld>
             <a:endParaRPr lang="en-US" dirty="0"/>
           </a:p>
@@ -5100,7 +5104,7 @@
           <a:p>
             <a:fld id="{48A87A34-81AB-432B-8DAE-1953F412C126}" type="datetimeFigureOut">
               <a:rPr lang="en-US" dirty="0"/>
-              <a:t>1/3/2022</a:t>
+              <a:t>3/9/2022</a:t>
             </a:fld>
             <a:endParaRPr lang="en-US" dirty="0"/>
           </a:p>
@@ -5529,7 +5533,7 @@
           <a:p>
             <a:fld id="{48A87A34-81AB-432B-8DAE-1953F412C126}" type="datetimeFigureOut">
               <a:rPr lang="en-US" dirty="0"/>
-              <a:t>1/3/2022</a:t>
+              <a:t>3/9/2022</a:t>
             </a:fld>
             <a:endParaRPr lang="en-US" dirty="0"/>
           </a:p>
@@ -6070,7 +6074,7 @@
           <a:p>
             <a:fld id="{48A87A34-81AB-432B-8DAE-1953F412C126}" type="datetimeFigureOut">
               <a:rPr lang="en-US" dirty="0"/>
-              <a:t>1/3/2022</a:t>
+              <a:t>3/9/2022</a:t>
             </a:fld>
             <a:endParaRPr lang="en-US" dirty="0"/>
           </a:p>
@@ -6785,7 +6789,7 @@
           <a:p>
             <a:fld id="{48A87A34-81AB-432B-8DAE-1953F412C126}" type="datetimeFigureOut">
               <a:rPr lang="en-US" dirty="0"/>
-              <a:t>1/3/2022</a:t>
+              <a:t>3/9/2022</a:t>
             </a:fld>
             <a:endParaRPr lang="en-US" dirty="0"/>
           </a:p>
@@ -6950,7 +6954,7 @@
           <a:p>
             <a:fld id="{48A87A34-81AB-432B-8DAE-1953F412C126}" type="datetimeFigureOut">
               <a:rPr lang="en-US" dirty="0"/>
-              <a:t>1/3/2022</a:t>
+              <a:t>3/9/2022</a:t>
             </a:fld>
             <a:endParaRPr lang="en-US" dirty="0"/>
           </a:p>
@@ -7125,7 +7129,7 @@
           <a:p>
             <a:fld id="{48A87A34-81AB-432B-8DAE-1953F412C126}" type="datetimeFigureOut">
               <a:rPr lang="en-US" dirty="0"/>
-              <a:t>1/3/2022</a:t>
+              <a:t>3/9/2022</a:t>
             </a:fld>
             <a:endParaRPr lang="en-US" dirty="0"/>
           </a:p>
@@ -7290,7 +7294,7 @@
           <a:p>
             <a:fld id="{48A87A34-81AB-432B-8DAE-1953F412C126}" type="datetimeFigureOut">
               <a:rPr lang="en-US" dirty="0"/>
-              <a:t>1/3/2022</a:t>
+              <a:t>3/9/2022</a:t>
             </a:fld>
             <a:endParaRPr lang="en-US" dirty="0"/>
           </a:p>
@@ -7535,7 +7539,7 @@
           <a:p>
             <a:fld id="{48A87A34-81AB-432B-8DAE-1953F412C126}" type="datetimeFigureOut">
               <a:rPr lang="en-US" dirty="0"/>
-              <a:t>1/3/2022</a:t>
+              <a:t>3/9/2022</a:t>
             </a:fld>
             <a:endParaRPr lang="en-US" dirty="0"/>
           </a:p>
@@ -7762,7 +7766,7 @@
           <a:p>
             <a:fld id="{48A87A34-81AB-432B-8DAE-1953F412C126}" type="datetimeFigureOut">
               <a:rPr lang="en-US" dirty="0"/>
-              <a:t>1/3/2022</a:t>
+              <a:t>3/9/2022</a:t>
             </a:fld>
             <a:endParaRPr lang="en-US" dirty="0"/>
           </a:p>
@@ -8138,7 +8142,7 @@
           <a:p>
             <a:fld id="{48A87A34-81AB-432B-8DAE-1953F412C126}" type="datetimeFigureOut">
               <a:rPr lang="en-US" dirty="0"/>
-              <a:t>1/3/2022</a:t>
+              <a:t>3/9/2022</a:t>
             </a:fld>
             <a:endParaRPr lang="en-US" dirty="0"/>
           </a:p>
@@ -8251,7 +8255,7 @@
           <a:p>
             <a:fld id="{48A87A34-81AB-432B-8DAE-1953F412C126}" type="datetimeFigureOut">
               <a:rPr lang="en-US" dirty="0"/>
-              <a:t>1/3/2022</a:t>
+              <a:t>3/9/2022</a:t>
             </a:fld>
             <a:endParaRPr lang="en-US" dirty="0"/>
           </a:p>
@@ -8341,7 +8345,7 @@
           <a:p>
             <a:fld id="{48A87A34-81AB-432B-8DAE-1953F412C126}" type="datetimeFigureOut">
               <a:rPr lang="en-US" dirty="0"/>
-              <a:t>1/3/2022</a:t>
+              <a:t>3/9/2022</a:t>
             </a:fld>
             <a:endParaRPr lang="en-US" dirty="0"/>
           </a:p>
@@ -8585,7 +8589,7 @@
           <a:p>
             <a:fld id="{48A87A34-81AB-432B-8DAE-1953F412C126}" type="datetimeFigureOut">
               <a:rPr lang="en-US" dirty="0"/>
-              <a:t>1/3/2022</a:t>
+              <a:t>3/9/2022</a:t>
             </a:fld>
             <a:endParaRPr lang="en-US" dirty="0"/>
           </a:p>
@@ -8860,7 +8864,7 @@
           <a:p>
             <a:fld id="{48A87A34-81AB-432B-8DAE-1953F412C126}" type="datetimeFigureOut">
               <a:rPr lang="en-US" dirty="0"/>
-              <a:t>1/3/2022</a:t>
+              <a:t>3/9/2022</a:t>
             </a:fld>
             <a:endParaRPr lang="en-US" dirty="0"/>
           </a:p>
@@ -8971,7 +8975,7 @@
           <a:noFill/>
           <a:extLst>
             <a:ext uri="{909E8E84-426E-40dd-AFC4-6F175D3DCCD1}">
-              <a14:hiddenFill xmlns:a14="http://schemas.microsoft.com/office/drawing/2010/main" xmlns="">
+              <a14:hiddenFill xmlns="" xmlns:a14="http://schemas.microsoft.com/office/drawing/2010/main">
                 <a:solidFill>
                   <a:srgbClr val="FFFFFF"/>
                 </a:solidFill>
@@ -9045,7 +9049,7 @@
               </a:ln>
               <a:extLst>
                 <a:ext uri="{91240B29-F687-4f45-9708-019B960494DF}">
-                  <a14:hiddenLine xmlns:a14="http://schemas.microsoft.com/office/drawing/2010/main" xmlns="" w="9525">
+                  <a14:hiddenLine xmlns="" xmlns:a14="http://schemas.microsoft.com/office/drawing/2010/main" w="9525">
                     <a:solidFill>
                       <a:srgbClr val="000000"/>
                     </a:solidFill>
@@ -9135,7 +9139,7 @@
               </a:ln>
               <a:extLst>
                 <a:ext uri="{91240B29-F687-4f45-9708-019B960494DF}">
-                  <a14:hiddenLine xmlns:a14="http://schemas.microsoft.com/office/drawing/2010/main" xmlns="" w="9525">
+                  <a14:hiddenLine xmlns="" xmlns:a14="http://schemas.microsoft.com/office/drawing/2010/main" w="9525">
                     <a:solidFill>
                       <a:srgbClr val="000000"/>
                     </a:solidFill>
@@ -9225,7 +9229,7 @@
               </a:ln>
               <a:extLst>
                 <a:ext uri="{91240B29-F687-4f45-9708-019B960494DF}">
-                  <a14:hiddenLine xmlns:a14="http://schemas.microsoft.com/office/drawing/2010/main" xmlns="" w="9525">
+                  <a14:hiddenLine xmlns="" xmlns:a14="http://schemas.microsoft.com/office/drawing/2010/main" w="9525">
                     <a:solidFill>
                       <a:srgbClr val="000000"/>
                     </a:solidFill>
@@ -9287,7 +9291,7 @@
               </a:ln>
               <a:extLst>
                 <a:ext uri="{91240B29-F687-4f45-9708-019B960494DF}">
-                  <a14:hiddenLine xmlns:a14="http://schemas.microsoft.com/office/drawing/2010/main" xmlns="" w="9525">
+                  <a14:hiddenLine xmlns="" xmlns:a14="http://schemas.microsoft.com/office/drawing/2010/main" w="9525">
                     <a:solidFill>
                       <a:srgbClr val="000000"/>
                     </a:solidFill>
@@ -9377,7 +9381,7 @@
               </a:ln>
               <a:extLst>
                 <a:ext uri="{91240B29-F687-4f45-9708-019B960494DF}">
-                  <a14:hiddenLine xmlns:a14="http://schemas.microsoft.com/office/drawing/2010/main" xmlns="" w="9525">
+                  <a14:hiddenLine xmlns="" xmlns:a14="http://schemas.microsoft.com/office/drawing/2010/main" w="9525">
                     <a:solidFill>
                       <a:srgbClr val="000000"/>
                     </a:solidFill>
@@ -9439,7 +9443,7 @@
               </a:ln>
               <a:extLst>
                 <a:ext uri="{91240B29-F687-4f45-9708-019B960494DF}">
-                  <a14:hiddenLine xmlns:a14="http://schemas.microsoft.com/office/drawing/2010/main" xmlns="" w="9525">
+                  <a14:hiddenLine xmlns="" xmlns:a14="http://schemas.microsoft.com/office/drawing/2010/main" w="9525">
                     <a:solidFill>
                       <a:srgbClr val="000000"/>
                     </a:solidFill>
@@ -9501,7 +9505,7 @@
               </a:ln>
               <a:extLst>
                 <a:ext uri="{91240B29-F687-4f45-9708-019B960494DF}">
-                  <a14:hiddenLine xmlns:a14="http://schemas.microsoft.com/office/drawing/2010/main" xmlns="" w="9525">
+                  <a14:hiddenLine xmlns="" xmlns:a14="http://schemas.microsoft.com/office/drawing/2010/main" w="9525">
                     <a:solidFill>
                       <a:srgbClr val="000000"/>
                     </a:solidFill>
@@ -9591,7 +9595,7 @@
               </a:ln>
               <a:extLst>
                 <a:ext uri="{91240B29-F687-4f45-9708-019B960494DF}">
-                  <a14:hiddenLine xmlns:a14="http://schemas.microsoft.com/office/drawing/2010/main" xmlns="" w="9525">
+                  <a14:hiddenLine xmlns="" xmlns:a14="http://schemas.microsoft.com/office/drawing/2010/main" w="9525">
                     <a:solidFill>
                       <a:srgbClr val="000000"/>
                     </a:solidFill>
@@ -9681,7 +9685,7 @@
               </a:ln>
               <a:extLst>
                 <a:ext uri="{91240B29-F687-4f45-9708-019B960494DF}">
-                  <a14:hiddenLine xmlns:a14="http://schemas.microsoft.com/office/drawing/2010/main" xmlns="" w="9525">
+                  <a14:hiddenLine xmlns="" xmlns:a14="http://schemas.microsoft.com/office/drawing/2010/main" w="9525">
                     <a:solidFill>
                       <a:srgbClr val="000000"/>
                     </a:solidFill>
@@ -9743,7 +9747,7 @@
               </a:ln>
               <a:extLst>
                 <a:ext uri="{91240B29-F687-4f45-9708-019B960494DF}">
-                  <a14:hiddenLine xmlns:a14="http://schemas.microsoft.com/office/drawing/2010/main" xmlns="" w="9525">
+                  <a14:hiddenLine xmlns="" xmlns:a14="http://schemas.microsoft.com/office/drawing/2010/main" w="9525">
                     <a:solidFill>
                       <a:srgbClr val="000000"/>
                     </a:solidFill>
@@ -9853,7 +9857,7 @@
               </a:ln>
               <a:extLst>
                 <a:ext uri="{91240B29-F687-4f45-9708-019B960494DF}">
-                  <a14:hiddenLine xmlns:a14="http://schemas.microsoft.com/office/drawing/2010/main" xmlns="" w="9525">
+                  <a14:hiddenLine xmlns="" xmlns:a14="http://schemas.microsoft.com/office/drawing/2010/main" w="9525">
                     <a:solidFill>
                       <a:srgbClr val="000000"/>
                     </a:solidFill>
@@ -9937,7 +9941,7 @@
               </a:ln>
               <a:extLst>
                 <a:ext uri="{91240B29-F687-4f45-9708-019B960494DF}">
-                  <a14:hiddenLine xmlns:a14="http://schemas.microsoft.com/office/drawing/2010/main" xmlns="" w="9525">
+                  <a14:hiddenLine xmlns="" xmlns:a14="http://schemas.microsoft.com/office/drawing/2010/main" w="9525">
                     <a:solidFill>
                       <a:srgbClr val="000000"/>
                     </a:solidFill>
@@ -9999,7 +10003,7 @@
               </a:ln>
               <a:extLst>
                 <a:ext uri="{91240B29-F687-4f45-9708-019B960494DF}">
-                  <a14:hiddenLine xmlns:a14="http://schemas.microsoft.com/office/drawing/2010/main" xmlns="" w="9525">
+                  <a14:hiddenLine xmlns="" xmlns:a14="http://schemas.microsoft.com/office/drawing/2010/main" w="9525">
                     <a:solidFill>
                       <a:srgbClr val="000000"/>
                     </a:solidFill>
@@ -10061,7 +10065,7 @@
               </a:ln>
               <a:extLst>
                 <a:ext uri="{91240B29-F687-4f45-9708-019B960494DF}">
-                  <a14:hiddenLine xmlns:a14="http://schemas.microsoft.com/office/drawing/2010/main" xmlns="" w="9525">
+                  <a14:hiddenLine xmlns="" xmlns:a14="http://schemas.microsoft.com/office/drawing/2010/main" w="9525">
                     <a:solidFill>
                       <a:srgbClr val="000000"/>
                     </a:solidFill>
@@ -10151,7 +10155,7 @@
               </a:ln>
               <a:extLst>
                 <a:ext uri="{91240B29-F687-4f45-9708-019B960494DF}">
-                  <a14:hiddenLine xmlns:a14="http://schemas.microsoft.com/office/drawing/2010/main" xmlns="" w="9525">
+                  <a14:hiddenLine xmlns="" xmlns:a14="http://schemas.microsoft.com/office/drawing/2010/main" w="9525">
                     <a:solidFill>
                       <a:srgbClr val="000000"/>
                     </a:solidFill>
@@ -10185,7 +10189,7 @@
               </a:ln>
               <a:extLst>
                 <a:ext uri="{91240B29-F687-4f45-9708-019B960494DF}">
-                  <a14:hiddenLine xmlns:a14="http://schemas.microsoft.com/office/drawing/2010/main" xmlns="" w="9525">
+                  <a14:hiddenLine xmlns="" xmlns:a14="http://schemas.microsoft.com/office/drawing/2010/main" w="9525">
                     <a:solidFill>
                       <a:srgbClr val="000000"/>
                     </a:solidFill>
@@ -10250,7 +10254,7 @@
               </a:ln>
               <a:extLst>
                 <a:ext uri="{91240B29-F687-4f45-9708-019B960494DF}">
-                  <a14:hiddenLine xmlns:a14="http://schemas.microsoft.com/office/drawing/2010/main" xmlns="" w="9525">
+                  <a14:hiddenLine xmlns="" xmlns:a14="http://schemas.microsoft.com/office/drawing/2010/main" w="9525">
                     <a:solidFill>
                       <a:srgbClr val="000000"/>
                     </a:solidFill>
@@ -10340,7 +10344,7 @@
               </a:ln>
               <a:extLst>
                 <a:ext uri="{91240B29-F687-4f45-9708-019B960494DF}">
-                  <a14:hiddenLine xmlns:a14="http://schemas.microsoft.com/office/drawing/2010/main" xmlns="" w="9525">
+                  <a14:hiddenLine xmlns="" xmlns:a14="http://schemas.microsoft.com/office/drawing/2010/main" w="9525">
                     <a:solidFill>
                       <a:srgbClr val="000000"/>
                     </a:solidFill>
@@ -10402,7 +10406,7 @@
               </a:ln>
               <a:extLst>
                 <a:ext uri="{91240B29-F687-4f45-9708-019B960494DF}">
-                  <a14:hiddenLine xmlns:a14="http://schemas.microsoft.com/office/drawing/2010/main" xmlns="" w="9525">
+                  <a14:hiddenLine xmlns="" xmlns:a14="http://schemas.microsoft.com/office/drawing/2010/main" w="9525">
                     <a:solidFill>
                       <a:srgbClr val="000000"/>
                     </a:solidFill>
@@ -10492,7 +10496,7 @@
               </a:ln>
               <a:extLst>
                 <a:ext uri="{91240B29-F687-4f45-9708-019B960494DF}">
-                  <a14:hiddenLine xmlns:a14="http://schemas.microsoft.com/office/drawing/2010/main" xmlns="" w="9525">
+                  <a14:hiddenLine xmlns="" xmlns:a14="http://schemas.microsoft.com/office/drawing/2010/main" w="9525">
                     <a:solidFill>
                       <a:srgbClr val="000000"/>
                     </a:solidFill>
@@ -10557,7 +10561,7 @@
               </a:ln>
               <a:extLst>
                 <a:ext uri="{91240B29-F687-4f45-9708-019B960494DF}">
-                  <a14:hiddenLine xmlns:a14="http://schemas.microsoft.com/office/drawing/2010/main" xmlns="" w="9525">
+                  <a14:hiddenLine xmlns="" xmlns:a14="http://schemas.microsoft.com/office/drawing/2010/main" w="9525">
                     <a:solidFill>
                       <a:srgbClr val="000000"/>
                     </a:solidFill>
@@ -10619,7 +10623,7 @@
               </a:ln>
               <a:extLst>
                 <a:ext uri="{91240B29-F687-4f45-9708-019B960494DF}">
-                  <a14:hiddenLine xmlns:a14="http://schemas.microsoft.com/office/drawing/2010/main" xmlns="" w="9525">
+                  <a14:hiddenLine xmlns="" xmlns:a14="http://schemas.microsoft.com/office/drawing/2010/main" w="9525">
                     <a:solidFill>
                       <a:srgbClr val="000000"/>
                     </a:solidFill>
@@ -10709,7 +10713,7 @@
               </a:ln>
               <a:extLst>
                 <a:ext uri="{91240B29-F687-4f45-9708-019B960494DF}">
-                  <a14:hiddenLine xmlns:a14="http://schemas.microsoft.com/office/drawing/2010/main" xmlns="" w="9525">
+                  <a14:hiddenLine xmlns="" xmlns:a14="http://schemas.microsoft.com/office/drawing/2010/main" w="9525">
                     <a:solidFill>
                       <a:srgbClr val="000000"/>
                     </a:solidFill>
@@ -10799,7 +10803,7 @@
               </a:ln>
               <a:extLst>
                 <a:ext uri="{91240B29-F687-4f45-9708-019B960494DF}">
-                  <a14:hiddenLine xmlns:a14="http://schemas.microsoft.com/office/drawing/2010/main" xmlns="" w="9525">
+                  <a14:hiddenLine xmlns="" xmlns:a14="http://schemas.microsoft.com/office/drawing/2010/main" w="9525">
                     <a:solidFill>
                       <a:srgbClr val="000000"/>
                     </a:solidFill>
@@ -10864,7 +10868,7 @@
               </a:ln>
               <a:extLst>
                 <a:ext uri="{91240B29-F687-4f45-9708-019B960494DF}">
-                  <a14:hiddenLine xmlns:a14="http://schemas.microsoft.com/office/drawing/2010/main" xmlns="" w="9525">
+                  <a14:hiddenLine xmlns="" xmlns:a14="http://schemas.microsoft.com/office/drawing/2010/main" w="9525">
                     <a:solidFill>
                       <a:srgbClr val="000000"/>
                     </a:solidFill>
@@ -10984,7 +10988,7 @@
               </a:ln>
               <a:extLst>
                 <a:ext uri="{91240B29-F687-4f45-9708-019B960494DF}">
-                  <a14:hiddenLine xmlns:a14="http://schemas.microsoft.com/office/drawing/2010/main" xmlns="" w="9525">
+                  <a14:hiddenLine xmlns="" xmlns:a14="http://schemas.microsoft.com/office/drawing/2010/main" w="9525">
                     <a:solidFill>
                       <a:srgbClr val="000000"/>
                     </a:solidFill>
@@ -11082,7 +11086,7 @@
               </a:ln>
               <a:extLst>
                 <a:ext uri="{91240B29-F687-4f45-9708-019B960494DF}">
-                  <a14:hiddenLine xmlns:a14="http://schemas.microsoft.com/office/drawing/2010/main" xmlns="" w="9525">
+                  <a14:hiddenLine xmlns="" xmlns:a14="http://schemas.microsoft.com/office/drawing/2010/main" w="9525">
                     <a:solidFill>
                       <a:srgbClr val="000000"/>
                     </a:solidFill>
@@ -11197,7 +11201,7 @@
               </a:ln>
               <a:extLst>
                 <a:ext uri="{91240B29-F687-4f45-9708-019B960494DF}">
-                  <a14:hiddenLine xmlns:a14="http://schemas.microsoft.com/office/drawing/2010/main" xmlns="" w="9525">
+                  <a14:hiddenLine xmlns="" xmlns:a14="http://schemas.microsoft.com/office/drawing/2010/main" w="9525">
                     <a:solidFill>
                       <a:srgbClr val="000000"/>
                     </a:solidFill>
@@ -11287,7 +11291,7 @@
               </a:ln>
               <a:extLst>
                 <a:ext uri="{91240B29-F687-4f45-9708-019B960494DF}">
-                  <a14:hiddenLine xmlns:a14="http://schemas.microsoft.com/office/drawing/2010/main" xmlns="" w="9525">
+                  <a14:hiddenLine xmlns="" xmlns:a14="http://schemas.microsoft.com/office/drawing/2010/main" w="9525">
                     <a:solidFill>
                       <a:srgbClr val="000000"/>
                     </a:solidFill>
@@ -11352,7 +11356,7 @@
               </a:ln>
               <a:extLst>
                 <a:ext uri="{91240B29-F687-4f45-9708-019B960494DF}">
-                  <a14:hiddenLine xmlns:a14="http://schemas.microsoft.com/office/drawing/2010/main" xmlns="" w="9525">
+                  <a14:hiddenLine xmlns="" xmlns:a14="http://schemas.microsoft.com/office/drawing/2010/main" w="9525">
                     <a:solidFill>
                       <a:srgbClr val="000000"/>
                     </a:solidFill>
@@ -11442,7 +11446,7 @@
               </a:ln>
               <a:extLst>
                 <a:ext uri="{91240B29-F687-4f45-9708-019B960494DF}">
-                  <a14:hiddenLine xmlns:a14="http://schemas.microsoft.com/office/drawing/2010/main" xmlns="" w="9525">
+                  <a14:hiddenLine xmlns="" xmlns:a14="http://schemas.microsoft.com/office/drawing/2010/main" w="9525">
                     <a:solidFill>
                       <a:srgbClr val="000000"/>
                     </a:solidFill>
@@ -11510,7 +11514,7 @@
               </a:ln>
               <a:extLst>
                 <a:ext uri="{91240B29-F687-4f45-9708-019B960494DF}">
-                  <a14:hiddenLine xmlns:a14="http://schemas.microsoft.com/office/drawing/2010/main" xmlns="" w="9525">
+                  <a14:hiddenLine xmlns="" xmlns:a14="http://schemas.microsoft.com/office/drawing/2010/main" w="9525">
                     <a:solidFill>
                       <a:srgbClr val="000000"/>
                     </a:solidFill>
@@ -11600,7 +11604,7 @@
               </a:ln>
               <a:extLst>
                 <a:ext uri="{91240B29-F687-4f45-9708-019B960494DF}">
-                  <a14:hiddenLine xmlns:a14="http://schemas.microsoft.com/office/drawing/2010/main" xmlns="" w="9525">
+                  <a14:hiddenLine xmlns="" xmlns:a14="http://schemas.microsoft.com/office/drawing/2010/main" w="9525">
                     <a:solidFill>
                       <a:srgbClr val="000000"/>
                     </a:solidFill>
@@ -11668,7 +11672,7 @@
               </a:ln>
               <a:extLst>
                 <a:ext uri="{91240B29-F687-4f45-9708-019B960494DF}">
-                  <a14:hiddenLine xmlns:a14="http://schemas.microsoft.com/office/drawing/2010/main" xmlns="" w="9525">
+                  <a14:hiddenLine xmlns="" xmlns:a14="http://schemas.microsoft.com/office/drawing/2010/main" w="9525">
                     <a:solidFill>
                       <a:srgbClr val="000000"/>
                     </a:solidFill>
@@ -11758,7 +11762,7 @@
               </a:ln>
               <a:extLst>
                 <a:ext uri="{91240B29-F687-4f45-9708-019B960494DF}">
-                  <a14:hiddenLine xmlns:a14="http://schemas.microsoft.com/office/drawing/2010/main" xmlns="" w="9525">
+                  <a14:hiddenLine xmlns="" xmlns:a14="http://schemas.microsoft.com/office/drawing/2010/main" w="9525">
                     <a:solidFill>
                       <a:srgbClr val="000000"/>
                     </a:solidFill>
@@ -11792,7 +11796,7 @@
               </a:ln>
               <a:extLst>
                 <a:ext uri="{91240B29-F687-4f45-9708-019B960494DF}">
-                  <a14:hiddenLine xmlns:a14="http://schemas.microsoft.com/office/drawing/2010/main" xmlns="" w="9525">
+                  <a14:hiddenLine xmlns="" xmlns:a14="http://schemas.microsoft.com/office/drawing/2010/main" w="9525">
                     <a:solidFill>
                       <a:srgbClr val="000000"/>
                     </a:solidFill>
@@ -11933,7 +11937,7 @@
             <a:fld id="{48A87A34-81AB-432B-8DAE-1953F412C126}" type="datetimeFigureOut">
               <a:rPr lang="en-US" dirty="0"/>
               <a:pPr/>
-              <a:t>1/3/2022</a:t>
+              <a:t>3/9/2022</a:t>
             </a:fld>
             <a:endParaRPr lang="en-US" dirty="0"/>
           </a:p>
@@ -12518,7 +12522,7 @@
           <a:p>
             <a:r>
               <a:rPr lang="en-US" dirty="0"/>
-              <a:t>These controller’s run RTOS(Real Time Operating System) </a:t>
+              <a:t>These controller’s run RTOS (Real Time Operating System) </a:t>
             </a:r>
           </a:p>
           <a:p>
@@ -13465,212 +13469,6 @@
     <p:extLst>
       <p:ext uri="{BB962C8B-B14F-4D97-AF65-F5344CB8AC3E}">
         <p14:creationId xmlns:p14="http://schemas.microsoft.com/office/powerpoint/2010/main" val="2070417047"/>
-      </p:ext>
-    </p:extLst>
-  </p:cSld>
-  <p:clrMapOvr>
-    <a:masterClrMapping/>
-  </p:clrMapOvr>
-</p:sld>
-</file>
-
-<file path=ppt/slides/slide7.xml><?xml version="1.0" encoding="utf-8"?>
-<p:sld xmlns:a="http://schemas.openxmlformats.org/drawingml/2006/main" xmlns:r="http://schemas.openxmlformats.org/officeDocument/2006/relationships" xmlns:p="http://schemas.openxmlformats.org/presentationml/2006/main">
-  <p:cSld>
-    <p:spTree>
-      <p:nvGrpSpPr>
-        <p:cNvPr id="1" name=""/>
-        <p:cNvGrpSpPr/>
-        <p:nvPr/>
-      </p:nvGrpSpPr>
-      <p:grpSpPr>
-        <a:xfrm>
-          <a:off x="0" y="0"/>
-          <a:ext cx="0" cy="0"/>
-          <a:chOff x="0" y="0"/>
-          <a:chExt cx="0" cy="0"/>
-        </a:xfrm>
-      </p:grpSpPr>
-      <p:sp>
-        <p:nvSpPr>
-          <p:cNvPr id="2" name="Title 1">
-            <a:extLst>
-              <a:ext uri="{FF2B5EF4-FFF2-40B4-BE49-F238E27FC236}">
-                <a16:creationId xmlns:a16="http://schemas.microsoft.com/office/drawing/2014/main" id="{D3DD113A-D08D-47DF-A2B7-107369873155}"/>
-              </a:ext>
-            </a:extLst>
-          </p:cNvPr>
-          <p:cNvSpPr>
-            <a:spLocks noGrp="1"/>
-          </p:cNvSpPr>
-          <p:nvPr>
-            <p:ph type="title"/>
-          </p:nvPr>
-        </p:nvSpPr>
-        <p:spPr>
-          <a:xfrm>
-            <a:off x="1143001" y="377687"/>
-            <a:ext cx="9905998" cy="865725"/>
-          </a:xfrm>
-        </p:spPr>
-        <p:txBody>
-          <a:bodyPr/>
-          <a:lstStyle/>
-          <a:p>
-            <a:r>
-              <a:rPr lang="en-US" dirty="0"/>
-              <a:t>Intro to PLC Programming</a:t>
-            </a:r>
-          </a:p>
-        </p:txBody>
-      </p:sp>
-      <p:sp>
-        <p:nvSpPr>
-          <p:cNvPr id="3" name="Content Placeholder 2">
-            <a:extLst>
-              <a:ext uri="{FF2B5EF4-FFF2-40B4-BE49-F238E27FC236}">
-                <a16:creationId xmlns:a16="http://schemas.microsoft.com/office/drawing/2014/main" id="{5628BDDE-76AD-4EA1-B6ED-12752602D66B}"/>
-              </a:ext>
-            </a:extLst>
-          </p:cNvPr>
-          <p:cNvSpPr>
-            <a:spLocks noGrp="1"/>
-          </p:cNvSpPr>
-          <p:nvPr>
-            <p:ph idx="1"/>
-          </p:nvPr>
-        </p:nvSpPr>
-        <p:spPr>
-          <a:xfrm>
-            <a:off x="1143001" y="1432856"/>
-            <a:ext cx="9905999" cy="4822170"/>
-          </a:xfrm>
-        </p:spPr>
-        <p:txBody>
-          <a:bodyPr>
-            <a:normAutofit/>
-          </a:bodyPr>
-          <a:lstStyle/>
-          <a:p>
-            <a:r>
-              <a:rPr lang="en-US" dirty="0"/>
-              <a:t>For most PLC, the programming languages is based on the </a:t>
-            </a:r>
-            <a:r>
-              <a:rPr lang="en-US" b="0" i="0" dirty="0">
-                <a:effectLst/>
-              </a:rPr>
-              <a:t> </a:t>
-            </a:r>
-            <a:r>
-              <a:rPr lang="en-US" b="0" i="1" u="sng" dirty="0">
-                <a:effectLst/>
-              </a:rPr>
-              <a:t>IEC 61131-3</a:t>
-            </a:r>
-          </a:p>
-          <a:p>
-            <a:pPr lvl="1"/>
-            <a:r>
-              <a:rPr lang="en-US" b="0" i="0" u="none" strike="noStrike" dirty="0">
-                <a:effectLst/>
-              </a:rPr>
-              <a:t>Ladder diagram</a:t>
-            </a:r>
-            <a:r>
-              <a:rPr lang="en-US" b="0" i="0" dirty="0">
-                <a:effectLst/>
-              </a:rPr>
-              <a:t> (LD), graphical</a:t>
-            </a:r>
-          </a:p>
-          <a:p>
-            <a:pPr lvl="1"/>
-            <a:r>
-              <a:rPr lang="en-US" b="0" i="0" u="none" strike="noStrike" dirty="0">
-                <a:effectLst/>
-              </a:rPr>
-              <a:t>Function block diagram</a:t>
-            </a:r>
-            <a:r>
-              <a:rPr lang="en-US" b="0" i="0" dirty="0">
-                <a:effectLst/>
-              </a:rPr>
-              <a:t> (FBD), graphical</a:t>
-            </a:r>
-          </a:p>
-          <a:p>
-            <a:pPr lvl="1"/>
-            <a:r>
-              <a:rPr lang="en-US" b="0" i="0" u="none" strike="noStrike" dirty="0">
-                <a:effectLst/>
-              </a:rPr>
-              <a:t>Structured text</a:t>
-            </a:r>
-            <a:r>
-              <a:rPr lang="en-US" b="0" i="0" dirty="0">
-                <a:effectLst/>
-              </a:rPr>
-              <a:t> (ST), textual</a:t>
-            </a:r>
-          </a:p>
-          <a:p>
-            <a:pPr lvl="1"/>
-            <a:r>
-              <a:rPr lang="en-US" b="0" i="0" u="none" strike="noStrike" dirty="0">
-                <a:effectLst/>
-              </a:rPr>
-              <a:t>Instruction list</a:t>
-            </a:r>
-            <a:r>
-              <a:rPr lang="en-US" b="0" i="0" dirty="0">
-                <a:effectLst/>
-              </a:rPr>
-              <a:t> (IL), textual </a:t>
-            </a:r>
-          </a:p>
-          <a:p>
-            <a:pPr lvl="1"/>
-            <a:r>
-              <a:rPr lang="en-US" b="0" i="0" u="none" strike="noStrike" dirty="0">
-                <a:effectLst/>
-              </a:rPr>
-              <a:t>Sequential function chart</a:t>
-            </a:r>
-            <a:r>
-              <a:rPr lang="en-US" b="0" i="0" dirty="0">
-                <a:effectLst/>
-              </a:rPr>
-              <a:t> (SFC), graphical</a:t>
-            </a:r>
-            <a:endParaRPr lang="en-US" dirty="0"/>
-          </a:p>
-          <a:p>
-            <a:r>
-              <a:rPr lang="en-US" dirty="0"/>
-              <a:t>Two types of PLC </a:t>
-            </a:r>
-          </a:p>
-          <a:p>
-            <a:pPr lvl="1"/>
-            <a:r>
-              <a:rPr lang="en-US" dirty="0"/>
-              <a:t>Address Based</a:t>
-            </a:r>
-          </a:p>
-          <a:p>
-            <a:pPr lvl="1"/>
-            <a:r>
-              <a:rPr lang="en-US" dirty="0"/>
-              <a:t>Variable Based</a:t>
-            </a:r>
-          </a:p>
-        </p:txBody>
-      </p:sp>
-    </p:spTree>
-    <p:extLst>
-      <p:ext uri="{BB962C8B-B14F-4D97-AF65-F5344CB8AC3E}">
-        <p14:creationId xmlns:p14="http://schemas.microsoft.com/office/powerpoint/2010/main" val="4122640786"/>
       </p:ext>
     </p:extLst>
   </p:cSld>
